--- a/presentation/RajeshSiraskar_HY_Presentation_19-Jul-2023.pptx
+++ b/presentation/RajeshSiraskar_HY_Presentation_19-Jul-2023.pptx
@@ -26,8 +26,8 @@
     <p:sldId id="299" r:id="rId20"/>
     <p:sldId id="283" r:id="rId21"/>
     <p:sldId id="286" r:id="rId22"/>
-    <p:sldId id="307" r:id="rId23"/>
-    <p:sldId id="280" r:id="rId24"/>
+    <p:sldId id="280" r:id="rId23"/>
+    <p:sldId id="309" r:id="rId24"/>
   </p:sldIdLst>
   <p:sldSz cx="12192000" cy="6858000"/>
   <p:notesSz cx="6858000" cy="9144000"/>
@@ -313,7 +313,7 @@
           <a:p>
             <a:fld id="{36492983-0996-449E-A9A9-7CED4365AED0}" type="datetimeFigureOut">
               <a:rPr lang="en-US" smtClean="0"/>
-              <a:t>7/19/2023</a:t>
+              <a:t>7/21/2023</a:t>
             </a:fld>
             <a:endParaRPr lang="en-US"/>
           </a:p>
@@ -541,7 +541,7 @@
           <a:p>
             <a:fld id="{36492983-0996-449E-A9A9-7CED4365AED0}" type="datetimeFigureOut">
               <a:rPr lang="en-US" smtClean="0"/>
-              <a:t>7/19/2023</a:t>
+              <a:t>7/21/2023</a:t>
             </a:fld>
             <a:endParaRPr lang="en-US"/>
           </a:p>
@@ -721,7 +721,7 @@
           <a:p>
             <a:fld id="{36492983-0996-449E-A9A9-7CED4365AED0}" type="datetimeFigureOut">
               <a:rPr lang="en-US" smtClean="0"/>
-              <a:t>7/19/2023</a:t>
+              <a:t>7/21/2023</a:t>
             </a:fld>
             <a:endParaRPr lang="en-US"/>
           </a:p>
@@ -891,7 +891,7 @@
           <a:p>
             <a:fld id="{36492983-0996-449E-A9A9-7CED4365AED0}" type="datetimeFigureOut">
               <a:rPr lang="en-US" smtClean="0"/>
-              <a:t>7/19/2023</a:t>
+              <a:t>7/21/2023</a:t>
             </a:fld>
             <a:endParaRPr lang="en-US"/>
           </a:p>
@@ -1145,7 +1145,7 @@
           <a:p>
             <a:fld id="{36492983-0996-449E-A9A9-7CED4365AED0}" type="datetimeFigureOut">
               <a:rPr lang="en-US" smtClean="0"/>
-              <a:t>7/19/2023</a:t>
+              <a:t>7/21/2023</a:t>
             </a:fld>
             <a:endParaRPr lang="en-US"/>
           </a:p>
@@ -1471,7 +1471,7 @@
           <a:p>
             <a:fld id="{36492983-0996-449E-A9A9-7CED4365AED0}" type="datetimeFigureOut">
               <a:rPr lang="en-US" smtClean="0"/>
-              <a:t>7/19/2023</a:t>
+              <a:t>7/21/2023</a:t>
             </a:fld>
             <a:endParaRPr lang="en-US"/>
           </a:p>
@@ -1922,7 +1922,7 @@
           <a:p>
             <a:fld id="{36492983-0996-449E-A9A9-7CED4365AED0}" type="datetimeFigureOut">
               <a:rPr lang="en-US" smtClean="0"/>
-              <a:t>7/19/2023</a:t>
+              <a:t>7/21/2023</a:t>
             </a:fld>
             <a:endParaRPr lang="en-US"/>
           </a:p>
@@ -2040,7 +2040,7 @@
           <a:p>
             <a:fld id="{36492983-0996-449E-A9A9-7CED4365AED0}" type="datetimeFigureOut">
               <a:rPr lang="en-US" smtClean="0"/>
-              <a:t>7/19/2023</a:t>
+              <a:t>7/21/2023</a:t>
             </a:fld>
             <a:endParaRPr lang="en-US"/>
           </a:p>
@@ -2135,7 +2135,7 @@
           <a:p>
             <a:fld id="{36492983-0996-449E-A9A9-7CED4365AED0}" type="datetimeFigureOut">
               <a:rPr lang="en-US" smtClean="0"/>
-              <a:t>7/19/2023</a:t>
+              <a:t>7/21/2023</a:t>
             </a:fld>
             <a:endParaRPr lang="en-US"/>
           </a:p>
@@ -2422,7 +2422,7 @@
           <a:p>
             <a:fld id="{36492983-0996-449E-A9A9-7CED4365AED0}" type="datetimeFigureOut">
               <a:rPr lang="en-US" smtClean="0"/>
-              <a:t>7/19/2023</a:t>
+              <a:t>7/21/2023</a:t>
             </a:fld>
             <a:endParaRPr lang="en-US"/>
           </a:p>
@@ -2744,7 +2744,7 @@
           <a:p>
             <a:fld id="{36492983-0996-449E-A9A9-7CED4365AED0}" type="datetimeFigureOut">
               <a:rPr lang="en-US" smtClean="0"/>
-              <a:t>7/19/2023</a:t>
+              <a:t>7/21/2023</a:t>
             </a:fld>
             <a:endParaRPr lang="en-US"/>
           </a:p>
@@ -2998,7 +2998,7 @@
           <a:p>
             <a:fld id="{36492983-0996-449E-A9A9-7CED4365AED0}" type="datetimeFigureOut">
               <a:rPr lang="en-US" smtClean="0"/>
-              <a:t>7/19/2023</a:t>
+              <a:t>7/21/2023</a:t>
             </a:fld>
             <a:endParaRPr lang="en-US"/>
           </a:p>
@@ -4353,7 +4353,24 @@
                 <a:latin typeface="Segoe UI" panose="020B0502040204020203" pitchFamily="34" charset="0"/>
                 <a:cs typeface="Segoe UI" panose="020B0502040204020203" pitchFamily="34" charset="0"/>
               </a:rPr>
-              <a:t>Average across 10 trained models, across all variants:</a:t>
+              <a:t>Average across </a:t>
+            </a:r>
+            <a:r>
+              <a:rPr lang="en-US" dirty="0">
+                <a:solidFill>
+                  <a:srgbClr val="0033CC"/>
+                </a:solidFill>
+                <a:latin typeface="Segoe UI" panose="020B0502040204020203" pitchFamily="34" charset="0"/>
+                <a:cs typeface="Segoe UI" panose="020B0502040204020203" pitchFamily="34" charset="0"/>
+              </a:rPr>
+              <a:t>10 trained </a:t>
+            </a:r>
+            <a:r>
+              <a:rPr lang="en-US" dirty="0">
+                <a:latin typeface="Segoe UI" panose="020B0502040204020203" pitchFamily="34" charset="0"/>
+                <a:cs typeface="Segoe UI" panose="020B0502040204020203" pitchFamily="34" charset="0"/>
+              </a:rPr>
+              <a:t>models, across all variants:</a:t>
             </a:r>
           </a:p>
           <a:p>
@@ -4464,7 +4481,24 @@
                 <a:latin typeface="Segoe UI" panose="020B0502040204020203" pitchFamily="34" charset="0"/>
                 <a:cs typeface="Segoe UI" panose="020B0502040204020203" pitchFamily="34" charset="0"/>
               </a:rPr>
-              <a:t>Variability: Precision and F1 lower by 0.08 and 0.016, when compared to the average of A2C, DQN, PPO</a:t>
+              <a:t>Variability: Precision and F1 </a:t>
+            </a:r>
+            <a:r>
+              <a:rPr lang="en-US" dirty="0">
+                <a:solidFill>
+                  <a:srgbClr val="0033CC"/>
+                </a:solidFill>
+                <a:latin typeface="Segoe UI" panose="020B0502040204020203" pitchFamily="34" charset="0"/>
+                <a:cs typeface="Segoe UI" panose="020B0502040204020203" pitchFamily="34" charset="0"/>
+              </a:rPr>
+              <a:t>lower</a:t>
+            </a:r>
+            <a:r>
+              <a:rPr lang="en-US" dirty="0">
+                <a:latin typeface="Segoe UI" panose="020B0502040204020203" pitchFamily="34" charset="0"/>
+                <a:cs typeface="Segoe UI" panose="020B0502040204020203" pitchFamily="34" charset="0"/>
+              </a:rPr>
+              <a:t> by 0.08 and 0.016, when compared to the average of A2C, DQN, PPO</a:t>
             </a:r>
           </a:p>
           <a:p>
@@ -7743,6 +7777,148 @@
       </p:sp>
       <p:sp>
         <p:nvSpPr>
+          <p:cNvPr id="27" name="Title 1">
+            <a:extLst>
+              <a:ext uri="{FF2B5EF4-FFF2-40B4-BE49-F238E27FC236}">
+                <a16:creationId xmlns:a16="http://schemas.microsoft.com/office/drawing/2014/main" id="{D01670D4-2D88-F571-0904-6538EE94BA45}"/>
+              </a:ext>
+            </a:extLst>
+          </p:cNvPr>
+          <p:cNvSpPr>
+            <a:spLocks noGrp="1"/>
+          </p:cNvSpPr>
+          <p:nvPr>
+            <p:ph type="title"/>
+          </p:nvPr>
+        </p:nvSpPr>
+        <p:spPr>
+          <a:xfrm>
+            <a:off x="457200" y="0"/>
+            <a:ext cx="10669424" cy="789762"/>
+          </a:xfrm>
+        </p:spPr>
+        <p:txBody>
+          <a:bodyPr vert="horz" lIns="91440" tIns="45720" rIns="91440" bIns="45720" rtlCol="0" anchor="b">
+            <a:normAutofit/>
+          </a:bodyPr>
+          <a:lstStyle/>
+          <a:p>
+            <a:pPr>
+              <a:lnSpc>
+                <a:spcPct val="85000"/>
+              </a:lnSpc>
+            </a:pPr>
+            <a:r>
+              <a:rPr lang="en-US" sz="3200" dirty="0">
+                <a:latin typeface="Segoe UI" panose="020B0502040204020203" pitchFamily="34" charset="0"/>
+                <a:cs typeface="Segoe UI" panose="020B0502040204020203" pitchFamily="34" charset="0"/>
+              </a:rPr>
+              <a:t>Planned schedule and status</a:t>
+            </a:r>
+            <a:endParaRPr lang="en-US" sz="3200" dirty="0">
+              <a:solidFill>
+                <a:srgbClr val="0033CC"/>
+              </a:solidFill>
+              <a:latin typeface="Segoe UI" panose="020B0502040204020203" pitchFamily="34" charset="0"/>
+              <a:cs typeface="Segoe UI" panose="020B0502040204020203" pitchFamily="34" charset="0"/>
+            </a:endParaRPr>
+          </a:p>
+        </p:txBody>
+      </p:sp>
+      <p:grpSp>
+        <p:nvGrpSpPr>
+          <p:cNvPr id="2" name="Group 1">
+            <a:extLst>
+              <a:ext uri="{FF2B5EF4-FFF2-40B4-BE49-F238E27FC236}">
+                <a16:creationId xmlns:a16="http://schemas.microsoft.com/office/drawing/2014/main" id="{E0ECADFD-A5A4-F816-AFA3-DB17458D622E}"/>
+              </a:ext>
+            </a:extLst>
+          </p:cNvPr>
+          <p:cNvGrpSpPr>
+            <a:grpSpLocks noChangeAspect="1"/>
+          </p:cNvGrpSpPr>
+          <p:nvPr/>
+        </p:nvGrpSpPr>
+        <p:grpSpPr>
+          <a:xfrm>
+            <a:off x="4764027" y="976950"/>
+            <a:ext cx="7257427" cy="4671536"/>
+            <a:chOff x="535126" y="955763"/>
+            <a:chExt cx="8063808" cy="5190595"/>
+          </a:xfrm>
+        </p:grpSpPr>
+        <p:pic>
+          <p:nvPicPr>
+            <p:cNvPr id="26" name="Picture 25">
+              <a:extLst>
+                <a:ext uri="{FF2B5EF4-FFF2-40B4-BE49-F238E27FC236}">
+                  <a16:creationId xmlns:a16="http://schemas.microsoft.com/office/drawing/2014/main" id="{C4CA4CFA-BB91-204C-0D43-0847B62CFE96}"/>
+                </a:ext>
+              </a:extLst>
+            </p:cNvPr>
+            <p:cNvPicPr>
+              <a:picLocks noChangeAspect="1"/>
+            </p:cNvPicPr>
+            <p:nvPr/>
+          </p:nvPicPr>
+          <p:blipFill>
+            <a:blip r:embed="rId2"/>
+            <a:stretch>
+              <a:fillRect/>
+            </a:stretch>
+          </p:blipFill>
+          <p:spPr>
+            <a:xfrm>
+              <a:off x="535126" y="955763"/>
+              <a:ext cx="8063808" cy="5190595"/>
+            </a:xfrm>
+            <a:prstGeom prst="rect">
+              <a:avLst/>
+            </a:prstGeom>
+          </p:spPr>
+        </p:pic>
+        <p:sp>
+          <p:nvSpPr>
+            <p:cNvPr id="5" name="TextBox 4">
+              <a:extLst>
+                <a:ext uri="{FF2B5EF4-FFF2-40B4-BE49-F238E27FC236}">
+                  <a16:creationId xmlns:a16="http://schemas.microsoft.com/office/drawing/2014/main" id="{3FC38E06-25D6-D068-117A-64541644395C}"/>
+                </a:ext>
+              </a:extLst>
+            </p:cNvPr>
+            <p:cNvSpPr txBox="1"/>
+            <p:nvPr/>
+          </p:nvSpPr>
+          <p:spPr>
+            <a:xfrm>
+              <a:off x="3456831" y="3221606"/>
+              <a:ext cx="504778" cy="282129"/>
+            </a:xfrm>
+            <a:prstGeom prst="rect">
+              <a:avLst/>
+            </a:prstGeom>
+            <a:noFill/>
+          </p:spPr>
+          <p:txBody>
+            <a:bodyPr wrap="square">
+              <a:spAutoFit/>
+            </a:bodyPr>
+            <a:lstStyle/>
+            <a:p>
+              <a:r>
+                <a:rPr lang="en-US" sz="1050" b="0" i="0" u="none" strike="noStrike" baseline="0" dirty="0">
+                  <a:latin typeface="Calibri" panose="020F0502020204030204" pitchFamily="34" charset="0"/>
+                  <a:cs typeface="Calibri" panose="020F0502020204030204" pitchFamily="34" charset="0"/>
+                </a:rPr>
+                <a:t>WIP</a:t>
+              </a:r>
+              <a:endParaRPr lang="en-US" sz="1200" dirty="0"/>
+            </a:p>
+          </p:txBody>
+        </p:sp>
+      </p:grpSp>
+      <p:sp>
+        <p:nvSpPr>
           <p:cNvPr id="10" name="TextBox 9">
             <a:extLst>
               <a:ext uri="{FF2B5EF4-FFF2-40B4-BE49-F238E27FC236}">
@@ -7755,8 +7931,8 @@
         </p:nvSpPr>
         <p:spPr>
           <a:xfrm>
-            <a:off x="8762338" y="955763"/>
-            <a:ext cx="3029448" cy="4904099"/>
+            <a:off x="541614" y="976950"/>
+            <a:ext cx="4130825" cy="5046893"/>
           </a:xfrm>
           <a:prstGeom prst="rect">
             <a:avLst/>
@@ -7778,14 +7954,14 @@
               </a:spcAft>
             </a:pPr>
             <a:r>
-              <a:rPr lang="en-US" sz="1400" b="1" i="0" u="none" strike="noStrike" baseline="0" dirty="0">
+              <a:rPr lang="en-US" sz="1600" b="1" i="0" u="none" strike="noStrike" baseline="0" dirty="0">
                 <a:latin typeface="Calibri" panose="020F0502020204030204" pitchFamily="34" charset="0"/>
                 <a:cs typeface="Calibri" panose="020F0502020204030204" pitchFamily="34" charset="0"/>
               </a:rPr>
               <a:t>OBJECTIVES</a:t>
             </a:r>
             <a:r>
-              <a:rPr lang="en-US" sz="1400" b="0" i="0" u="none" strike="noStrike" baseline="0" dirty="0">
+              <a:rPr lang="en-US" sz="1600" b="0" i="0" u="none" strike="noStrike" baseline="0" dirty="0">
                 <a:latin typeface="Calibri" panose="020F0502020204030204" pitchFamily="34" charset="0"/>
                 <a:cs typeface="Calibri" panose="020F0502020204030204" pitchFamily="34" charset="0"/>
               </a:rPr>
@@ -7804,7 +7980,7 @@
               <a:buAutoNum type="arabicPeriod"/>
             </a:pPr>
             <a:r>
-              <a:rPr lang="en-US" sz="1400" b="0" i="0" u="none" strike="noStrike" baseline="0" dirty="0">
+              <a:rPr lang="en-US" sz="1600" b="0" i="0" u="none" strike="noStrike" baseline="0" dirty="0">
                 <a:solidFill>
                   <a:srgbClr val="0000FF"/>
                 </a:solidFill>
@@ -7814,21 +7990,21 @@
               <a:t>Evaluate</a:t>
             </a:r>
             <a:r>
-              <a:rPr lang="en-US" sz="1400" b="0" i="0" u="none" strike="noStrike" baseline="0" dirty="0">
+              <a:rPr lang="en-US" sz="1600" b="0" i="0" u="none" strike="noStrike" baseline="0" dirty="0">
                 <a:latin typeface="Calibri" panose="020F0502020204030204" pitchFamily="34" charset="0"/>
                 <a:cs typeface="Calibri" panose="020F0502020204030204" pitchFamily="34" charset="0"/>
               </a:rPr>
               <a:t> various RL algorithms suitable for solving predictive maintenance (</a:t>
             </a:r>
             <a:r>
-              <a:rPr lang="en-US" sz="1400" b="0" i="0" u="none" strike="noStrike" baseline="0" dirty="0" err="1">
+              <a:rPr lang="en-US" sz="1600" b="0" i="0" u="none" strike="noStrike" baseline="0" dirty="0" err="1">
                 <a:latin typeface="Calibri" panose="020F0502020204030204" pitchFamily="34" charset="0"/>
                 <a:cs typeface="Calibri" panose="020F0502020204030204" pitchFamily="34" charset="0"/>
               </a:rPr>
               <a:t>PdM</a:t>
             </a:r>
             <a:r>
-              <a:rPr lang="en-US" sz="1400" b="0" i="0" u="none" strike="noStrike" baseline="0" dirty="0">
+              <a:rPr lang="en-US" sz="1600" b="0" i="0" u="none" strike="noStrike" baseline="0" dirty="0">
                 <a:latin typeface="Calibri" panose="020F0502020204030204" pitchFamily="34" charset="0"/>
                 <a:cs typeface="Calibri" panose="020F0502020204030204" pitchFamily="34" charset="0"/>
               </a:rPr>
@@ -7847,7 +8023,7 @@
               <a:buAutoNum type="arabicPeriod"/>
             </a:pPr>
             <a:r>
-              <a:rPr lang="en-US" sz="1400" b="0" i="0" u="none" strike="noStrike" baseline="0" dirty="0">
+              <a:rPr lang="en-US" sz="1600" b="0" i="0" u="none" strike="noStrike" baseline="0" dirty="0">
                 <a:solidFill>
                   <a:srgbClr val="0000FF"/>
                 </a:solidFill>
@@ -7857,21 +8033,21 @@
               <a:t>Design and develop </a:t>
             </a:r>
             <a:r>
-              <a:rPr lang="en-US" sz="1400" b="0" i="0" u="none" strike="noStrike" baseline="0" dirty="0">
+              <a:rPr lang="en-US" sz="1600" b="0" i="0" u="none" strike="noStrike" baseline="0" dirty="0">
                 <a:latin typeface="Calibri" panose="020F0502020204030204" pitchFamily="34" charset="0"/>
                 <a:cs typeface="Calibri" panose="020F0502020204030204" pitchFamily="34" charset="0"/>
               </a:rPr>
               <a:t>a </a:t>
             </a:r>
             <a:r>
-              <a:rPr lang="en-US" sz="1400" b="0" i="0" u="none" strike="noStrike" baseline="0" dirty="0" err="1">
+              <a:rPr lang="en-US" sz="1600" b="0" i="0" u="none" strike="noStrike" baseline="0" dirty="0" err="1">
                 <a:latin typeface="Calibri" panose="020F0502020204030204" pitchFamily="34" charset="0"/>
                 <a:cs typeface="Calibri" panose="020F0502020204030204" pitchFamily="34" charset="0"/>
               </a:rPr>
               <a:t>PdM</a:t>
             </a:r>
             <a:r>
-              <a:rPr lang="en-US" sz="1400" b="0" i="0" u="none" strike="noStrike" baseline="0" dirty="0">
+              <a:rPr lang="en-US" sz="1600" b="0" i="0" u="none" strike="noStrike" baseline="0" dirty="0">
                 <a:latin typeface="Calibri" panose="020F0502020204030204" pitchFamily="34" charset="0"/>
                 <a:cs typeface="Calibri" panose="020F0502020204030204" pitchFamily="34" charset="0"/>
               </a:rPr>
@@ -7890,14 +8066,14 @@
               <a:buAutoNum type="arabicPeriod"/>
             </a:pPr>
             <a:r>
-              <a:rPr lang="en-US" sz="1400" b="0" i="0" u="none" strike="noStrike" baseline="0" dirty="0">
+              <a:rPr lang="en-US" sz="1600" b="0" i="0" u="none" strike="noStrike" baseline="0" dirty="0">
                 <a:latin typeface="Calibri" panose="020F0502020204030204" pitchFamily="34" charset="0"/>
                 <a:cs typeface="Calibri" panose="020F0502020204030204" pitchFamily="34" charset="0"/>
               </a:rPr>
               <a:t>Extract features and explore techniques for </a:t>
             </a:r>
             <a:r>
-              <a:rPr lang="en-US" sz="1400" b="0" i="0" u="none" strike="noStrike" baseline="0" dirty="0">
+              <a:rPr lang="en-US" sz="1600" b="0" i="0" u="none" strike="noStrike" baseline="0" dirty="0">
                 <a:solidFill>
                   <a:srgbClr val="0000FF"/>
                 </a:solidFill>
@@ -7907,14 +8083,14 @@
               <a:t>standardizing</a:t>
             </a:r>
             <a:r>
-              <a:rPr lang="en-US" sz="1400" b="0" i="0" u="none" strike="noStrike" baseline="0" dirty="0">
+              <a:rPr lang="en-US" sz="1600" b="0" i="0" u="none" strike="noStrike" baseline="0" dirty="0">
                 <a:latin typeface="Calibri" panose="020F0502020204030204" pitchFamily="34" charset="0"/>
                 <a:cs typeface="Calibri" panose="020F0502020204030204" pitchFamily="34" charset="0"/>
               </a:rPr>
               <a:t> the </a:t>
             </a:r>
             <a:r>
-              <a:rPr lang="en-US" sz="1400" b="0" i="0" u="none" strike="noStrike" baseline="0" dirty="0">
+              <a:rPr lang="en-US" sz="1600" b="0" i="0" u="none" strike="noStrike" baseline="0" dirty="0">
                 <a:solidFill>
                   <a:srgbClr val="0000FF"/>
                 </a:solidFill>
@@ -7924,7 +8100,7 @@
               <a:t>features</a:t>
             </a:r>
             <a:r>
-              <a:rPr lang="en-US" sz="1400" b="0" i="0" u="none" strike="noStrike" baseline="0" dirty="0">
+              <a:rPr lang="en-US" sz="1600" b="0" i="0" u="none" strike="noStrike" baseline="0" dirty="0">
                 <a:latin typeface="Calibri" panose="020F0502020204030204" pitchFamily="34" charset="0"/>
                 <a:cs typeface="Calibri" panose="020F0502020204030204" pitchFamily="34" charset="0"/>
               </a:rPr>
@@ -7943,14 +8119,14 @@
               <a:buAutoNum type="arabicPeriod"/>
             </a:pPr>
             <a:r>
-              <a:rPr lang="en-US" sz="1400" b="0" i="0" u="none" strike="noStrike" baseline="0" dirty="0">
+              <a:rPr lang="en-US" sz="1600" b="0" i="0" u="none" strike="noStrike" baseline="0" dirty="0">
                 <a:latin typeface="Calibri" panose="020F0502020204030204" pitchFamily="34" charset="0"/>
                 <a:cs typeface="Calibri" panose="020F0502020204030204" pitchFamily="34" charset="0"/>
               </a:rPr>
               <a:t>To develop a data-driven model on </a:t>
             </a:r>
             <a:r>
-              <a:rPr lang="en-US" sz="1400" b="0" i="0" u="none" strike="noStrike" baseline="0" dirty="0">
+              <a:rPr lang="en-US" sz="1600" b="0" i="0" u="none" strike="noStrike" baseline="0" dirty="0">
                 <a:solidFill>
                   <a:srgbClr val="0000FF"/>
                 </a:solidFill>
@@ -7973,7 +8149,7 @@
               </a:spcAft>
             </a:pPr>
             <a:r>
-              <a:rPr lang="en-US" sz="1400" b="1" dirty="0">
+              <a:rPr lang="en-US" sz="1600" b="1" dirty="0">
                 <a:latin typeface="Calibri" panose="020F0502020204030204" pitchFamily="34" charset="0"/>
                 <a:cs typeface="Calibri" panose="020F0502020204030204" pitchFamily="34" charset="0"/>
               </a:rPr>
@@ -7992,7 +8168,7 @@
               <a:buAutoNum type="arabicPeriod"/>
             </a:pPr>
             <a:r>
-              <a:rPr lang="en-US" sz="1400" dirty="0">
+              <a:rPr lang="en-US" sz="1600" dirty="0">
                 <a:latin typeface="Calibri" panose="020F0502020204030204" pitchFamily="34" charset="0"/>
                 <a:cs typeface="Calibri" panose="020F0502020204030204" pitchFamily="34" charset="0"/>
               </a:rPr>
@@ -8011,13 +8187,13 @@
               <a:buAutoNum type="arabicPeriod"/>
             </a:pPr>
             <a:r>
-              <a:rPr lang="en-US" sz="1400" dirty="0">
+              <a:rPr lang="en-US" sz="1600" dirty="0">
                 <a:latin typeface="Calibri" panose="020F0502020204030204" pitchFamily="34" charset="0"/>
                 <a:cs typeface="Calibri" panose="020F0502020204030204" pitchFamily="34" charset="0"/>
               </a:rPr>
               <a:t>Obj. 1: Empirical study on 4 RL algorithms completed</a:t>
             </a:r>
-            <a:endParaRPr lang="en-US" sz="1400" b="1" dirty="0">
+            <a:endParaRPr lang="en-US" sz="1600" b="1" dirty="0">
               <a:latin typeface="Calibri" panose="020F0502020204030204" pitchFamily="34" charset="0"/>
               <a:cs typeface="Calibri" panose="020F0502020204030204" pitchFamily="34" charset="0"/>
             </a:endParaRPr>
@@ -8026,132 +8202,10 @@
       </p:sp>
       <p:pic>
         <p:nvPicPr>
-          <p:cNvPr id="26" name="Picture 25">
-            <a:extLst>
-              <a:ext uri="{FF2B5EF4-FFF2-40B4-BE49-F238E27FC236}">
-                <a16:creationId xmlns:a16="http://schemas.microsoft.com/office/drawing/2014/main" id="{C4CA4CFA-BB91-204C-0D43-0847B62CFE96}"/>
-              </a:ext>
-            </a:extLst>
-          </p:cNvPr>
-          <p:cNvPicPr>
-            <a:picLocks noChangeAspect="1"/>
-          </p:cNvPicPr>
-          <p:nvPr/>
-        </p:nvPicPr>
-        <p:blipFill>
-          <a:blip r:embed="rId2"/>
-          <a:stretch>
-            <a:fillRect/>
-          </a:stretch>
-        </p:blipFill>
-        <p:spPr>
-          <a:xfrm>
-            <a:off x="535126" y="955763"/>
-            <a:ext cx="8063808" cy="5190595"/>
-          </a:xfrm>
-          <a:prstGeom prst="rect">
-            <a:avLst/>
-          </a:prstGeom>
-        </p:spPr>
-      </p:pic>
-      <p:sp>
-        <p:nvSpPr>
-          <p:cNvPr id="27" name="Title 1">
-            <a:extLst>
-              <a:ext uri="{FF2B5EF4-FFF2-40B4-BE49-F238E27FC236}">
-                <a16:creationId xmlns:a16="http://schemas.microsoft.com/office/drawing/2014/main" id="{D01670D4-2D88-F571-0904-6538EE94BA45}"/>
-              </a:ext>
-            </a:extLst>
-          </p:cNvPr>
-          <p:cNvSpPr>
-            <a:spLocks noGrp="1"/>
-          </p:cNvSpPr>
-          <p:nvPr>
-            <p:ph type="title"/>
-          </p:nvPr>
-        </p:nvSpPr>
-        <p:spPr>
-          <a:xfrm>
-            <a:off x="457200" y="0"/>
-            <a:ext cx="10669424" cy="789762"/>
-          </a:xfrm>
-        </p:spPr>
-        <p:txBody>
-          <a:bodyPr vert="horz" lIns="91440" tIns="45720" rIns="91440" bIns="45720" rtlCol="0" anchor="b">
-            <a:normAutofit/>
-          </a:bodyPr>
-          <a:lstStyle/>
-          <a:p>
-            <a:pPr>
-              <a:lnSpc>
-                <a:spcPct val="85000"/>
-              </a:lnSpc>
-            </a:pPr>
-            <a:r>
-              <a:rPr lang="en-US" sz="3200" dirty="0">
-                <a:latin typeface="Segoe UI" panose="020B0502040204020203" pitchFamily="34" charset="0"/>
-                <a:cs typeface="Segoe UI" panose="020B0502040204020203" pitchFamily="34" charset="0"/>
-              </a:rPr>
-              <a:t>Planned schedule and status: </a:t>
-            </a:r>
-            <a:r>
-              <a:rPr lang="en-US" sz="3200" dirty="0">
-                <a:solidFill>
-                  <a:srgbClr val="0033CC"/>
-                </a:solidFill>
-                <a:latin typeface="Segoe UI" panose="020B0502040204020203" pitchFamily="34" charset="0"/>
-                <a:cs typeface="Segoe UI" panose="020B0502040204020203" pitchFamily="34" charset="0"/>
-              </a:rPr>
-              <a:t>12-Jul-2023</a:t>
-            </a:r>
-          </a:p>
-        </p:txBody>
-      </p:sp>
-      <p:sp>
-        <p:nvSpPr>
-          <p:cNvPr id="5" name="TextBox 4">
-            <a:extLst>
-              <a:ext uri="{FF2B5EF4-FFF2-40B4-BE49-F238E27FC236}">
-                <a16:creationId xmlns:a16="http://schemas.microsoft.com/office/drawing/2014/main" id="{3FC38E06-25D6-D068-117A-64541644395C}"/>
-              </a:ext>
-            </a:extLst>
-          </p:cNvPr>
-          <p:cNvSpPr txBox="1"/>
-          <p:nvPr/>
-        </p:nvSpPr>
-        <p:spPr>
-          <a:xfrm>
-            <a:off x="3456830" y="3221606"/>
-            <a:ext cx="439309" cy="276999"/>
-          </a:xfrm>
-          <a:prstGeom prst="rect">
-            <a:avLst/>
-          </a:prstGeom>
-          <a:noFill/>
-        </p:spPr>
-        <p:txBody>
-          <a:bodyPr wrap="square">
-            <a:spAutoFit/>
-          </a:bodyPr>
-          <a:lstStyle/>
-          <a:p>
-            <a:r>
-              <a:rPr lang="en-US" sz="1200" b="0" i="0" u="none" strike="noStrike" baseline="0" dirty="0">
-                <a:latin typeface="Calibri" panose="020F0502020204030204" pitchFamily="34" charset="0"/>
-                <a:cs typeface="Calibri" panose="020F0502020204030204" pitchFamily="34" charset="0"/>
-              </a:rPr>
-              <a:t>WIP</a:t>
-            </a:r>
-            <a:endParaRPr lang="en-US" sz="1200" dirty="0"/>
-          </a:p>
-        </p:txBody>
-      </p:sp>
-      <p:pic>
-        <p:nvPicPr>
-          <p:cNvPr id="8" name="Picture 7">
-            <a:extLst>
-              <a:ext uri="{FF2B5EF4-FFF2-40B4-BE49-F238E27FC236}">
-                <a16:creationId xmlns:a16="http://schemas.microsoft.com/office/drawing/2014/main" id="{D2885E11-4126-1F53-91BE-1EBF744B1DB2}"/>
+          <p:cNvPr id="6" name="Picture 5">
+            <a:extLst>
+              <a:ext uri="{FF2B5EF4-FFF2-40B4-BE49-F238E27FC236}">
+                <a16:creationId xmlns:a16="http://schemas.microsoft.com/office/drawing/2014/main" id="{ECB11FB0-A5F8-1715-44B8-0C43007884AE}"/>
               </a:ext>
             </a:extLst>
           </p:cNvPr>
@@ -8170,12 +8224,179 @@
         </p:blipFill>
         <p:spPr>
           <a:xfrm>
-            <a:off x="11504474" y="1381042"/>
-            <a:ext cx="304800" cy="342900"/>
+            <a:off x="228600" y="4865052"/>
+            <a:ext cx="305152" cy="278448"/>
           </a:xfrm>
           <a:prstGeom prst="rect">
             <a:avLst/>
           </a:prstGeom>
+          <a:solidFill>
+            <a:srgbClr val="92D050">
+              <a:alpha val="60000"/>
+            </a:srgbClr>
+          </a:solidFill>
+          <a:ln>
+            <a:solidFill>
+              <a:schemeClr val="bg1">
+                <a:lumMod val="50000"/>
+              </a:schemeClr>
+            </a:solidFill>
+          </a:ln>
+        </p:spPr>
+      </p:pic>
+      <p:sp>
+        <p:nvSpPr>
+          <p:cNvPr id="7" name="Rectangle 6">
+            <a:extLst>
+              <a:ext uri="{FF2B5EF4-FFF2-40B4-BE49-F238E27FC236}">
+                <a16:creationId xmlns:a16="http://schemas.microsoft.com/office/drawing/2014/main" id="{DD139128-157B-2EFA-F419-52459295B292}"/>
+              </a:ext>
+            </a:extLst>
+          </p:cNvPr>
+          <p:cNvSpPr/>
+          <p:nvPr/>
+        </p:nvSpPr>
+        <p:spPr>
+          <a:xfrm>
+            <a:off x="7812484" y="3309938"/>
+            <a:ext cx="45719" cy="300037"/>
+          </a:xfrm>
+          <a:prstGeom prst="rect">
+            <a:avLst/>
+          </a:prstGeom>
+          <a:solidFill>
+            <a:srgbClr val="FFC000"/>
+          </a:solidFill>
+          <a:ln>
+            <a:solidFill>
+              <a:srgbClr val="FFC000"/>
+            </a:solidFill>
+          </a:ln>
+        </p:spPr>
+        <p:style>
+          <a:lnRef idx="2">
+            <a:schemeClr val="accent1">
+              <a:shade val="15000"/>
+            </a:schemeClr>
+          </a:lnRef>
+          <a:fillRef idx="1">
+            <a:schemeClr val="accent1"/>
+          </a:fillRef>
+          <a:effectRef idx="0">
+            <a:schemeClr val="accent1"/>
+          </a:effectRef>
+          <a:fontRef idx="minor">
+            <a:schemeClr val="lt1"/>
+          </a:fontRef>
+        </p:style>
+        <p:txBody>
+          <a:bodyPr rtlCol="0" anchor="ctr"/>
+          <a:lstStyle/>
+          <a:p>
+            <a:pPr algn="ctr"/>
+            <a:endParaRPr lang="en-IN"/>
+          </a:p>
+        </p:txBody>
+      </p:sp>
+      <p:sp>
+        <p:nvSpPr>
+          <p:cNvPr id="9" name="Rectangle 8">
+            <a:extLst>
+              <a:ext uri="{FF2B5EF4-FFF2-40B4-BE49-F238E27FC236}">
+                <a16:creationId xmlns:a16="http://schemas.microsoft.com/office/drawing/2014/main" id="{CD833C61-1CD1-6545-59F8-356921FFE2BE}"/>
+              </a:ext>
+            </a:extLst>
+          </p:cNvPr>
+          <p:cNvSpPr/>
+          <p:nvPr/>
+        </p:nvSpPr>
+        <p:spPr>
+          <a:xfrm>
+            <a:off x="8238728" y="3645694"/>
+            <a:ext cx="45719" cy="300037"/>
+          </a:xfrm>
+          <a:prstGeom prst="rect">
+            <a:avLst/>
+          </a:prstGeom>
+          <a:solidFill>
+            <a:srgbClr val="FFC000"/>
+          </a:solidFill>
+          <a:ln>
+            <a:solidFill>
+              <a:srgbClr val="FFC000"/>
+            </a:solidFill>
+          </a:ln>
+        </p:spPr>
+        <p:style>
+          <a:lnRef idx="2">
+            <a:schemeClr val="accent1">
+              <a:shade val="15000"/>
+            </a:schemeClr>
+          </a:lnRef>
+          <a:fillRef idx="1">
+            <a:schemeClr val="accent1"/>
+          </a:fillRef>
+          <a:effectRef idx="0">
+            <a:schemeClr val="accent1"/>
+          </a:effectRef>
+          <a:fontRef idx="minor">
+            <a:schemeClr val="lt1"/>
+          </a:fontRef>
+        </p:style>
+        <p:txBody>
+          <a:bodyPr rtlCol="0" anchor="ctr"/>
+          <a:lstStyle/>
+          <a:p>
+            <a:pPr algn="ctr"/>
+            <a:endParaRPr lang="en-IN"/>
+          </a:p>
+        </p:txBody>
+      </p:sp>
+      <p:pic>
+        <p:nvPicPr>
+          <p:cNvPr id="11" name="Picture 10">
+            <a:extLst>
+              <a:ext uri="{FF2B5EF4-FFF2-40B4-BE49-F238E27FC236}">
+                <a16:creationId xmlns:a16="http://schemas.microsoft.com/office/drawing/2014/main" id="{631B2EF0-067E-7C00-80AE-217FF1418705}"/>
+              </a:ext>
+            </a:extLst>
+          </p:cNvPr>
+          <p:cNvPicPr>
+            <a:picLocks noChangeAspect="1"/>
+          </p:cNvPicPr>
+          <p:nvPr/>
+        </p:nvPicPr>
+        <p:blipFill>
+          <a:blip r:embed="rId3">
+            <a:alphaModFix amt="50000"/>
+          </a:blip>
+          <a:stretch>
+            <a:fillRect/>
+          </a:stretch>
+        </p:blipFill>
+        <p:spPr>
+          <a:xfrm>
+            <a:off x="197842" y="1436052"/>
+            <a:ext cx="305152" cy="278448"/>
+          </a:xfrm>
+          <a:prstGeom prst="rect">
+            <a:avLst/>
+          </a:prstGeom>
+          <a:gradFill flip="none" rotWithShape="1">
+            <a:gsLst>
+              <a:gs pos="0">
+                <a:srgbClr val="00B050"/>
+              </a:gs>
+              <a:gs pos="63000">
+                <a:srgbClr val="80B828"/>
+              </a:gs>
+              <a:gs pos="87000">
+                <a:srgbClr val="FFC000"/>
+              </a:gs>
+            </a:gsLst>
+            <a:lin ang="0" scaled="1"/>
+            <a:tileRect/>
+          </a:gradFill>
           <a:ln>
             <a:solidFill>
               <a:schemeClr val="bg1">
@@ -9201,44 +9422,23 @@
               </a:lnSpc>
             </a:pPr>
             <a:r>
-              <a:rPr lang="en-US" sz="3200" dirty="0">
-                <a:latin typeface="Segoe UI" panose="020B0502040204020203" pitchFamily="34" charset="0"/>
-                <a:cs typeface="Segoe UI" panose="020B0502040204020203" pitchFamily="34" charset="0"/>
-              </a:rPr>
-              <a:t>Status of Planned Objectives and Schedule</a:t>
-            </a:r>
-          </a:p>
-        </p:txBody>
-      </p:sp>
-      <p:sp>
-        <p:nvSpPr>
-          <p:cNvPr id="3" name="Text Placeholder 2">
-            <a:extLst>
-              <a:ext uri="{FF2B5EF4-FFF2-40B4-BE49-F238E27FC236}">
-                <a16:creationId xmlns:a16="http://schemas.microsoft.com/office/drawing/2014/main" id="{18089658-D33E-47CA-0E5F-65EF95A5FDF3}"/>
-              </a:ext>
-            </a:extLst>
-          </p:cNvPr>
-          <p:cNvSpPr>
-            <a:spLocks noGrp="1"/>
-          </p:cNvSpPr>
-          <p:nvPr>
-            <p:ph type="body" idx="1"/>
-          </p:nvPr>
-        </p:nvSpPr>
-        <p:spPr/>
-        <p:txBody>
-          <a:bodyPr/>
-          <a:lstStyle/>
-          <a:p>
-            <a:endParaRPr lang="en-US"/>
+              <a:rPr lang="en-US" sz="3200">
+                <a:latin typeface="Segoe UI" panose="020B0502040204020203" pitchFamily="34" charset="0"/>
+                <a:cs typeface="Segoe UI" panose="020B0502040204020203" pitchFamily="34" charset="0"/>
+              </a:rPr>
+              <a:t>Discussions / Q&amp;A</a:t>
+            </a:r>
+            <a:endParaRPr lang="en-US" sz="3200" dirty="0">
+              <a:latin typeface="Segoe UI" panose="020B0502040204020203" pitchFamily="34" charset="0"/>
+              <a:cs typeface="Segoe UI" panose="020B0502040204020203" pitchFamily="34" charset="0"/>
+            </a:endParaRPr>
           </a:p>
         </p:txBody>
       </p:sp>
     </p:spTree>
     <p:extLst>
       <p:ext uri="{BB962C8B-B14F-4D97-AF65-F5344CB8AC3E}">
-        <p14:creationId xmlns:p14="http://schemas.microsoft.com/office/powerpoint/2010/main" val="43060362"/>
+        <p14:creationId xmlns:p14="http://schemas.microsoft.com/office/powerpoint/2010/main" val="2941343325"/>
       </p:ext>
     </p:extLst>
   </p:cSld>
@@ -9314,7 +9514,7 @@
     </p:spTree>
     <p:extLst>
       <p:ext uri="{BB962C8B-B14F-4D97-AF65-F5344CB8AC3E}">
-        <p14:creationId xmlns:p14="http://schemas.microsoft.com/office/powerpoint/2010/main" val="2941343325"/>
+        <p14:creationId xmlns:p14="http://schemas.microsoft.com/office/powerpoint/2010/main" val="1307415382"/>
       </p:ext>
     </p:extLst>
   </p:cSld>
@@ -9577,7 +9777,7 @@
         <p:spPr>
           <a:xfrm>
             <a:off x="457200" y="1079157"/>
-            <a:ext cx="9304638" cy="4395755"/>
+            <a:ext cx="9304638" cy="2918428"/>
           </a:xfrm>
           <a:prstGeom prst="rect">
             <a:avLst/>
@@ -9828,94 +10028,6 @@
               </a:rPr>
               <a:t></a:t>
             </a:r>
-            <a:endParaRPr lang="en-US" dirty="0">
-              <a:solidFill>
-                <a:schemeClr val="accent5">
-                  <a:lumMod val="60000"/>
-                  <a:lumOff val="40000"/>
-                </a:schemeClr>
-              </a:solidFill>
-              <a:latin typeface="Segoe UI" panose="020B0502040204020203" pitchFamily="34" charset="0"/>
-              <a:cs typeface="Segoe UI" panose="020B0502040204020203" pitchFamily="34" charset="0"/>
-            </a:endParaRPr>
-          </a:p>
-          <a:p>
-            <a:pPr marL="342900" indent="-342900">
-              <a:lnSpc>
-                <a:spcPct val="150000"/>
-              </a:lnSpc>
-              <a:spcAft>
-                <a:spcPts val="600"/>
-              </a:spcAft>
-              <a:buFont typeface="+mj-lt"/>
-              <a:buAutoNum type="arabicPeriod"/>
-            </a:pPr>
-            <a:r>
-              <a:rPr lang="en-US" dirty="0">
-                <a:latin typeface="Segoe UI" panose="020B0502040204020203" pitchFamily="34" charset="0"/>
-                <a:cs typeface="Segoe UI" panose="020B0502040204020203" pitchFamily="34" charset="0"/>
-              </a:rPr>
-              <a:t>Status of Planned Objectives and Schedule </a:t>
-            </a:r>
-            <a:r>
-              <a:rPr lang="en-US" dirty="0">
-                <a:solidFill>
-                  <a:schemeClr val="accent5">
-                    <a:lumMod val="60000"/>
-                    <a:lumOff val="40000"/>
-                  </a:schemeClr>
-                </a:solidFill>
-                <a:latin typeface="Segoe UI" panose="020B0502040204020203" pitchFamily="34" charset="0"/>
-                <a:cs typeface="Segoe UI" panose="020B0502040204020203" pitchFamily="34" charset="0"/>
-                <a:sym typeface="Wingdings 3" panose="05040102010807070707" pitchFamily="18" charset="2"/>
-                <a:hlinkClick r:id="rId7" action="ppaction://hlinksldjump">
-                  <a:extLst>
-                    <a:ext uri="{A12FA001-AC4F-418D-AE19-62706E023703}">
-                      <ahyp:hlinkClr xmlns:ahyp="http://schemas.microsoft.com/office/drawing/2018/hyperlinkcolor" val="tx"/>
-                    </a:ext>
-                  </a:extLst>
-                </a:hlinkClick>
-              </a:rPr>
-              <a:t></a:t>
-            </a:r>
-            <a:endParaRPr lang="en-US" dirty="0">
-              <a:solidFill>
-                <a:schemeClr val="accent5">
-                  <a:lumMod val="60000"/>
-                  <a:lumOff val="40000"/>
-                </a:schemeClr>
-              </a:solidFill>
-              <a:latin typeface="Segoe UI" panose="020B0502040204020203" pitchFamily="34" charset="0"/>
-              <a:cs typeface="Segoe UI" panose="020B0502040204020203" pitchFamily="34" charset="0"/>
-            </a:endParaRPr>
-          </a:p>
-          <a:p>
-            <a:pPr marL="342900" indent="-342900">
-              <a:lnSpc>
-                <a:spcPct val="150000"/>
-              </a:lnSpc>
-              <a:spcAft>
-                <a:spcPts val="600"/>
-              </a:spcAft>
-              <a:buFont typeface="+mj-lt"/>
-              <a:buAutoNum type="arabicPeriod"/>
-            </a:pPr>
-            <a:endParaRPr lang="en-US" dirty="0">
-              <a:latin typeface="Segoe UI" panose="020B0502040204020203" pitchFamily="34" charset="0"/>
-              <a:cs typeface="Segoe UI" panose="020B0502040204020203" pitchFamily="34" charset="0"/>
-            </a:endParaRPr>
-          </a:p>
-          <a:p>
-            <a:pPr marL="342900" indent="-342900">
-              <a:lnSpc>
-                <a:spcPct val="150000"/>
-              </a:lnSpc>
-              <a:spcAft>
-                <a:spcPts val="600"/>
-              </a:spcAft>
-              <a:buFont typeface="+mj-lt"/>
-              <a:buAutoNum type="arabicPeriod"/>
-            </a:pPr>
             <a:endParaRPr lang="en-US" dirty="0">
               <a:latin typeface="Segoe UI" panose="020B0502040204020203" pitchFamily="34" charset="0"/>
               <a:cs typeface="Segoe UI" panose="020B0502040204020203" pitchFamily="34" charset="0"/>
